--- a/1_powerpoint/baseline1.pptx
+++ b/1_powerpoint/baseline1.pptx
@@ -121,7 +121,15 @@
             <a:srgbClr val="A4A3A4"/>
           </p15:clr>
         </p15:guide>
+        <p15:guide id="3" orient="horz" pos="2160">
+          <p15:clr>
+            <a:srgbClr val="A4A3A4"/>
+          </p15:clr>
+        </p15:guide>
       </p15:sldGuideLst>
+    </p:ext>
+    <p:ext uri="{2D200454-40CA-4A62-9FC3-DE9A4176ACB9}">
+      <p15:notesGuideLst xmlns:p15="http://schemas.microsoft.com/office/powerpoint/2012/main"/>
     </p:ext>
   </p:extLst>
 </p:presentation>
@@ -221,7 +229,7 @@
           <a:p>
             <a:fld id="{66111EFB-F628-40F9-BEA8-8B741629A066}" type="datetimeFigureOut">
               <a:rPr kumimoji="1" lang="ja-JP" altLang="en-US" smtClean="0"/>
-              <a:t>2025/9/25</a:t>
+              <a:t>2025/9/26</a:t>
             </a:fld>
             <a:endParaRPr kumimoji="1" lang="ja-JP" altLang="en-US"/>
           </a:p>
@@ -414,7 +422,7 @@
           <a:p>
             <a:fld id="{471714D2-F2A7-4A29-BCB6-C0D2D9AA6AE5}" type="datetimeFigureOut">
               <a:rPr kumimoji="1" lang="ja-JP" altLang="en-US" smtClean="0"/>
-              <a:t>2025/9/25</a:t>
+              <a:t>2025/9/26</a:t>
             </a:fld>
             <a:endParaRPr kumimoji="1" lang="ja-JP" altLang="en-US"/>
           </a:p>
@@ -1040,7 +1048,14 @@
           </a:bodyPr>
           <a:lstStyle>
             <a:lvl1pPr algn="l">
-              <a:defRPr sz="2400"/>
+              <a:defRPr sz="2400">
+                <a:solidFill>
+                  <a:schemeClr val="tx1">
+                    <a:lumMod val="75000"/>
+                    <a:lumOff val="25000"/>
+                  </a:schemeClr>
+                </a:solidFill>
+              </a:defRPr>
             </a:lvl1pPr>
           </a:lstStyle>
           <a:p>
@@ -1174,7 +1189,11 @@
           <a:prstGeom prst="line">
             <a:avLst/>
           </a:prstGeom>
-          <a:ln w="28575"/>
+          <a:ln w="28575">
+            <a:solidFill>
+              <a:schemeClr val="accent1"/>
+            </a:solidFill>
+          </a:ln>
         </p:spPr>
         <p:style>
           <a:lnRef idx="2">
@@ -1224,7 +1243,14 @@
               </a:lnSpc>
               <a:buFont typeface="Arial" panose="020B0604020202020204" pitchFamily="34" charset="0"/>
               <a:buChar char="•"/>
-              <a:defRPr sz="1800"/>
+              <a:defRPr sz="1800">
+                <a:solidFill>
+                  <a:schemeClr val="tx1">
+                    <a:lumMod val="75000"/>
+                    <a:lumOff val="25000"/>
+                  </a:schemeClr>
+                </a:solidFill>
+              </a:defRPr>
             </a:lvl1pPr>
           </a:lstStyle>
           <a:p>
@@ -1446,7 +1472,7 @@
         </p:nvCxnSpPr>
         <p:spPr>
           <a:xfrm>
-            <a:off x="0" y="906087"/>
+            <a:off x="0" y="898136"/>
             <a:ext cx="12192000" cy="0"/>
           </a:xfrm>
           <a:prstGeom prst="line">
@@ -1759,7 +1785,7 @@
           <a:p>
             <a:fld id="{B9C962F7-AFB0-468D-A580-AD17A99D25FA}" type="datetime1">
               <a:rPr kumimoji="1" lang="ja-JP" altLang="en-US" smtClean="0"/>
-              <a:t>2025/9/25</a:t>
+              <a:t>2025/9/26</a:t>
             </a:fld>
             <a:endParaRPr kumimoji="1" lang="ja-JP" altLang="en-US"/>
           </a:p>
@@ -2224,7 +2250,7 @@
           <a:bodyPr/>
           <a:lstStyle/>
           <a:p>
-            <a:endParaRPr kumimoji="1" lang="ja-JP" altLang="en-US"/>
+            <a:endParaRPr kumimoji="1" lang="ja-JP" altLang="en-US" dirty="0"/>
           </a:p>
         </p:txBody>
       </p:sp>
@@ -2461,7 +2487,9 @@
             <p:ph type="body" sz="quarter" idx="13"/>
           </p:nvPr>
         </p:nvSpPr>
-        <p:spPr/>
+        <p:spPr>
+          <a:noFill/>
+        </p:spPr>
         <p:txBody>
           <a:bodyPr/>
           <a:lstStyle/>
@@ -2910,7 +2938,7 @@
 <file path=ppt/theme/theme1.xml><?xml version="1.0" encoding="utf-8"?>
 <a:theme xmlns:a="http://schemas.openxmlformats.org/drawingml/2006/main" name="Office テーマ">
   <a:themeElements>
-    <a:clrScheme name="Office">
+    <a:clrScheme name="ユーザー定義 2">
       <a:dk1>
         <a:sysClr val="windowText" lastClr="000000"/>
       </a:dk1>
@@ -2918,34 +2946,34 @@
         <a:sysClr val="window" lastClr="FFFFFF"/>
       </a:lt1>
       <a:dk2>
-        <a:srgbClr val="0E2841"/>
+        <a:srgbClr val="17406D"/>
       </a:dk2>
       <a:lt2>
-        <a:srgbClr val="E8E8E8"/>
+        <a:srgbClr val="DBEFF9"/>
       </a:lt2>
       <a:accent1>
-        <a:srgbClr val="156082"/>
+        <a:srgbClr val="0000FF"/>
       </a:accent1>
       <a:accent2>
-        <a:srgbClr val="E97132"/>
+        <a:srgbClr val="0096FA"/>
       </a:accent2>
       <a:accent3>
-        <a:srgbClr val="196B24"/>
+        <a:srgbClr val="0096C8"/>
       </a:accent3>
       <a:accent4>
-        <a:srgbClr val="0F9ED5"/>
+        <a:srgbClr val="C80000"/>
       </a:accent4>
       <a:accent5>
-        <a:srgbClr val="A02B93"/>
+        <a:srgbClr val="FF9600"/>
       </a:accent5>
       <a:accent6>
-        <a:srgbClr val="4EA72E"/>
+        <a:srgbClr val="FFC800"/>
       </a:accent6>
       <a:hlink>
-        <a:srgbClr val="467886"/>
+        <a:srgbClr val="59A9F2"/>
       </a:hlink>
       <a:folHlink>
-        <a:srgbClr val="96607D"/>
+        <a:srgbClr val="BFBFBF"/>
       </a:folHlink>
     </a:clrScheme>
     <a:fontScheme name="Arial-MeiryoUI">
@@ -3099,8 +3127,52 @@
     </a:fmtScheme>
   </a:themeElements>
   <a:objectDefaults>
+    <a:spDef>
+      <a:spPr>
+        <a:solidFill>
+          <a:schemeClr val="accent2">
+            <a:lumMod val="40000"/>
+            <a:lumOff val="60000"/>
+          </a:schemeClr>
+        </a:solidFill>
+        <a:ln>
+          <a:noFill/>
+        </a:ln>
+      </a:spPr>
+      <a:bodyPr rtlCol="0" anchor="ctr"/>
+      <a:lstStyle>
+        <a:defPPr algn="ctr">
+          <a:defRPr kumimoji="1"/>
+        </a:defPPr>
+      </a:lstStyle>
+      <a:style>
+        <a:lnRef idx="2">
+          <a:schemeClr val="accent1">
+            <a:shade val="15000"/>
+          </a:schemeClr>
+        </a:lnRef>
+        <a:fillRef idx="1">
+          <a:schemeClr val="accent1"/>
+        </a:fillRef>
+        <a:effectRef idx="0">
+          <a:schemeClr val="accent1"/>
+        </a:effectRef>
+        <a:fontRef idx="minor">
+          <a:schemeClr val="lt1"/>
+        </a:fontRef>
+      </a:style>
+    </a:spDef>
     <a:lnDef>
-      <a:spPr/>
+      <a:spPr>
+        <a:ln>
+          <a:solidFill>
+            <a:schemeClr val="accent2">
+              <a:lumMod val="60000"/>
+              <a:lumOff val="40000"/>
+            </a:schemeClr>
+          </a:solidFill>
+        </a:ln>
+      </a:spPr>
       <a:bodyPr/>
       <a:lstStyle/>
       <a:style>
